--- a/Online_Retailer_Data_Interface_Layout.pptx
+++ b/Online_Retailer_Data_Interface_Layout.pptx
@@ -106,6 +106,11 @@
       </a:defRPr>
     </a:lvl9pPr>
   </p:defaultTextStyle>
+  <p:extLst>
+    <p:ext uri="{EFAFB233-063F-42B5-8137-9DF3F51BA10A}">
+      <p15:sldGuideLst xmlns:p15="http://schemas.microsoft.com/office/powerpoint/2012/main"/>
+    </p:ext>
+  </p:extLst>
 </p:presentation>
 </file>
 
@@ -326,7 +331,7 @@
           <a:p>
             <a:fld id="{9AB3A824-1A51-4B26-AD58-A6D8E14F6C04}" type="datetimeFigureOut">
               <a:rPr lang="en-US" dirty="0"/>
-              <a:t>1/29/2019</a:t>
+              <a:t>1/30/2019</a:t>
             </a:fld>
             <a:endParaRPr lang="en-US" dirty="0"/>
           </a:p>
@@ -660,7 +665,7 @@
           <a:p>
             <a:fld id="{D857E33E-8B18-4087-B112-809917729534}" type="datetimeFigureOut">
               <a:rPr lang="en-US" dirty="0"/>
-              <a:t>1/29/2019</a:t>
+              <a:t>1/30/2019</a:t>
             </a:fld>
             <a:endParaRPr lang="en-US" dirty="0"/>
           </a:p>
@@ -962,7 +967,7 @@
           <a:p>
             <a:fld id="{D3FFE419-2371-464F-8239-3959401C3561}" type="datetimeFigureOut">
               <a:rPr lang="en-US" dirty="0"/>
-              <a:t>1/29/2019</a:t>
+              <a:t>1/30/2019</a:t>
             </a:fld>
             <a:endParaRPr lang="en-US" dirty="0"/>
           </a:p>
@@ -1209,7 +1214,7 @@
           <a:p>
             <a:fld id="{97D162C4-EDD9-4389-A98B-B87ECEA2A816}" type="datetimeFigureOut">
               <a:rPr lang="en-US" dirty="0"/>
-              <a:t>1/29/2019</a:t>
+              <a:t>1/30/2019</a:t>
             </a:fld>
             <a:endParaRPr lang="en-US" dirty="0"/>
           </a:p>
@@ -1616,7 +1621,7 @@
           <a:p>
             <a:fld id="{3E5059C3-6A89-4494-99FF-5A4D6FFD50EB}" type="datetimeFigureOut">
               <a:rPr lang="en-US" dirty="0"/>
-              <a:t>1/29/2019</a:t>
+              <a:t>1/30/2019</a:t>
             </a:fld>
             <a:endParaRPr lang="en-US" dirty="0"/>
           </a:p>
@@ -1930,7 +1935,7 @@
           <a:p>
             <a:fld id="{CA954B2F-12DE-47F5-8894-472B206D2E1E}" type="datetimeFigureOut">
               <a:rPr lang="en-US" dirty="0"/>
-              <a:t>1/29/2019</a:t>
+              <a:t>1/30/2019</a:t>
             </a:fld>
             <a:endParaRPr lang="en-US" dirty="0"/>
           </a:p>
@@ -2474,7 +2479,7 @@
           <a:p>
             <a:fld id="{3F30E46F-7819-4ACF-B48B-48222C2ACC88}" type="datetimeFigureOut">
               <a:rPr lang="en-US" dirty="0"/>
-              <a:t>1/29/2019</a:t>
+              <a:t>1/30/2019</a:t>
             </a:fld>
             <a:endParaRPr lang="en-US" dirty="0"/>
           </a:p>
@@ -2669,7 +2674,7 @@
           <a:p>
             <a:fld id="{1FAF3416-4057-4DAA-829D-4CA07428D088}" type="datetimeFigureOut">
               <a:rPr lang="en-US" dirty="0"/>
-              <a:t>1/29/2019</a:t>
+              <a:t>1/30/2019</a:t>
             </a:fld>
             <a:endParaRPr lang="en-US" dirty="0"/>
           </a:p>
@@ -2882,7 +2887,7 @@
           <a:p>
             <a:fld id="{921D9284-D300-4297-87F7-E791DCC15DB1}" type="datetimeFigureOut">
               <a:rPr lang="en-US" dirty="0"/>
-              <a:t>1/29/2019</a:t>
+              <a:t>1/30/2019</a:t>
             </a:fld>
             <a:endParaRPr lang="en-US" dirty="0"/>
           </a:p>
@@ -3251,7 +3256,7 @@
           <a:p>
             <a:fld id="{37D525BB-DA17-4BA0-B3C8-3AC3ABC827E6}" type="datetimeFigureOut">
               <a:rPr lang="en-US" dirty="0"/>
-              <a:t>1/29/2019</a:t>
+              <a:t>1/30/2019</a:t>
             </a:fld>
             <a:endParaRPr lang="en-US" dirty="0"/>
           </a:p>
@@ -3654,7 +3659,7 @@
           <a:p>
             <a:fld id="{B16C4C9A-3960-41CF-A4E9-2A8FB932454B}" type="datetimeFigureOut">
               <a:rPr lang="en-US" dirty="0"/>
-              <a:t>1/29/2019</a:t>
+              <a:t>1/30/2019</a:t>
             </a:fld>
             <a:endParaRPr lang="en-US" dirty="0"/>
           </a:p>
@@ -3992,7 +3997,7 @@
           <a:p>
             <a:fld id="{3CBC1C18-307B-4F68-A007-B5B542270E8D}" type="datetimeFigureOut">
               <a:rPr lang="en-US" dirty="0"/>
-              <a:t>1/29/2019</a:t>
+              <a:t>1/30/2019</a:t>
             </a:fld>
             <a:endParaRPr lang="en-US" dirty="0"/>
           </a:p>
@@ -4639,7 +4644,7 @@
             <p:ph idx="1"/>
             <p:extLst>
               <p:ext uri="{D42A27DB-BD31-4B8C-83A1-F6EECF244321}">
-                <p14:modId xmlns:p14="http://schemas.microsoft.com/office/powerpoint/2010/main" val="830549811"/>
+                <p14:modId xmlns:p14="http://schemas.microsoft.com/office/powerpoint/2010/main" val="2896780582"/>
               </p:ext>
             </p:extLst>
           </p:nvPr>
@@ -5002,7 +5007,10 @@
                     <a:bodyPr/>
                     <a:lstStyle/>
                     <a:p>
-                      <a:endParaRPr lang="en-US" dirty="0"/>
+                      <a:r>
+                        <a:rPr lang="en-US" dirty="0"/>
+                        <a:t>FK</a:t>
+                      </a:r>
                     </a:p>
                   </a:txBody>
                   <a:tcPr/>
@@ -5012,7 +5020,10 @@
                     <a:bodyPr/>
                     <a:lstStyle/>
                     <a:p>
-                      <a:endParaRPr lang="en-US" dirty="0"/>
+                      <a:r>
+                        <a:rPr lang="en-US" dirty="0"/>
+                        <a:t>Retailer_ID</a:t>
+                      </a:r>
                     </a:p>
                   </a:txBody>
                   <a:tcPr/>
@@ -5022,7 +5033,10 @@
                     <a:bodyPr/>
                     <a:lstStyle/>
                     <a:p>
-                      <a:endParaRPr lang="en-US" dirty="0"/>
+                      <a:r>
+                        <a:rPr lang="en-US" dirty="0"/>
+                        <a:t>Char(10)</a:t>
+                      </a:r>
                     </a:p>
                   </a:txBody>
                   <a:tcPr/>
@@ -5111,7 +5125,7 @@
             <p:ph idx="1"/>
             <p:extLst>
               <p:ext uri="{D42A27DB-BD31-4B8C-83A1-F6EECF244321}">
-                <p14:modId xmlns:p14="http://schemas.microsoft.com/office/powerpoint/2010/main" val="2667338799"/>
+                <p14:modId xmlns:p14="http://schemas.microsoft.com/office/powerpoint/2010/main" val="4050269288"/>
               </p:ext>
             </p:extLst>
           </p:nvPr>

--- a/Online_Retailer_Data_Interface_Layout.pptx
+++ b/Online_Retailer_Data_Interface_Layout.pptx
@@ -8,6 +8,7 @@
     <p:sldId id="256" r:id="rId2"/>
     <p:sldId id="257" r:id="rId3"/>
     <p:sldId id="258" r:id="rId4"/>
+    <p:sldId id="259" r:id="rId5"/>
   </p:sldIdLst>
   <p:sldSz cx="12192000" cy="6858000"/>
   <p:notesSz cx="6858000" cy="9144000"/>
@@ -331,7 +332,7 @@
           <a:p>
             <a:fld id="{9AB3A824-1A51-4B26-AD58-A6D8E14F6C04}" type="datetimeFigureOut">
               <a:rPr lang="en-US" dirty="0"/>
-              <a:t>1/30/2019</a:t>
+              <a:t>2/6/2019</a:t>
             </a:fld>
             <a:endParaRPr lang="en-US" dirty="0"/>
           </a:p>
@@ -665,7 +666,7 @@
           <a:p>
             <a:fld id="{D857E33E-8B18-4087-B112-809917729534}" type="datetimeFigureOut">
               <a:rPr lang="en-US" dirty="0"/>
-              <a:t>1/30/2019</a:t>
+              <a:t>2/6/2019</a:t>
             </a:fld>
             <a:endParaRPr lang="en-US" dirty="0"/>
           </a:p>
@@ -967,7 +968,7 @@
           <a:p>
             <a:fld id="{D3FFE419-2371-464F-8239-3959401C3561}" type="datetimeFigureOut">
               <a:rPr lang="en-US" dirty="0"/>
-              <a:t>1/30/2019</a:t>
+              <a:t>2/6/2019</a:t>
             </a:fld>
             <a:endParaRPr lang="en-US" dirty="0"/>
           </a:p>
@@ -1214,7 +1215,7 @@
           <a:p>
             <a:fld id="{97D162C4-EDD9-4389-A98B-B87ECEA2A816}" type="datetimeFigureOut">
               <a:rPr lang="en-US" dirty="0"/>
-              <a:t>1/30/2019</a:t>
+              <a:t>2/6/2019</a:t>
             </a:fld>
             <a:endParaRPr lang="en-US" dirty="0"/>
           </a:p>
@@ -1621,7 +1622,7 @@
           <a:p>
             <a:fld id="{3E5059C3-6A89-4494-99FF-5A4D6FFD50EB}" type="datetimeFigureOut">
               <a:rPr lang="en-US" dirty="0"/>
-              <a:t>1/30/2019</a:t>
+              <a:t>2/6/2019</a:t>
             </a:fld>
             <a:endParaRPr lang="en-US" dirty="0"/>
           </a:p>
@@ -1935,7 +1936,7 @@
           <a:p>
             <a:fld id="{CA954B2F-12DE-47F5-8894-472B206D2E1E}" type="datetimeFigureOut">
               <a:rPr lang="en-US" dirty="0"/>
-              <a:t>1/30/2019</a:t>
+              <a:t>2/6/2019</a:t>
             </a:fld>
             <a:endParaRPr lang="en-US" dirty="0"/>
           </a:p>
@@ -2479,7 +2480,7 @@
           <a:p>
             <a:fld id="{3F30E46F-7819-4ACF-B48B-48222C2ACC88}" type="datetimeFigureOut">
               <a:rPr lang="en-US" dirty="0"/>
-              <a:t>1/30/2019</a:t>
+              <a:t>2/6/2019</a:t>
             </a:fld>
             <a:endParaRPr lang="en-US" dirty="0"/>
           </a:p>
@@ -2674,7 +2675,7 @@
           <a:p>
             <a:fld id="{1FAF3416-4057-4DAA-829D-4CA07428D088}" type="datetimeFigureOut">
               <a:rPr lang="en-US" dirty="0"/>
-              <a:t>1/30/2019</a:t>
+              <a:t>2/6/2019</a:t>
             </a:fld>
             <a:endParaRPr lang="en-US" dirty="0"/>
           </a:p>
@@ -2887,7 +2888,7 @@
           <a:p>
             <a:fld id="{921D9284-D300-4297-87F7-E791DCC15DB1}" type="datetimeFigureOut">
               <a:rPr lang="en-US" dirty="0"/>
-              <a:t>1/30/2019</a:t>
+              <a:t>2/6/2019</a:t>
             </a:fld>
             <a:endParaRPr lang="en-US" dirty="0"/>
           </a:p>
@@ -3256,7 +3257,7 @@
           <a:p>
             <a:fld id="{37D525BB-DA17-4BA0-B3C8-3AC3ABC827E6}" type="datetimeFigureOut">
               <a:rPr lang="en-US" dirty="0"/>
-              <a:t>1/30/2019</a:t>
+              <a:t>2/6/2019</a:t>
             </a:fld>
             <a:endParaRPr lang="en-US" dirty="0"/>
           </a:p>
@@ -3659,7 +3660,7 @@
           <a:p>
             <a:fld id="{B16C4C9A-3960-41CF-A4E9-2A8FB932454B}" type="datetimeFigureOut">
               <a:rPr lang="en-US" dirty="0"/>
-              <a:t>1/30/2019</a:t>
+              <a:t>2/6/2019</a:t>
             </a:fld>
             <a:endParaRPr lang="en-US" dirty="0"/>
           </a:p>
@@ -3997,7 +3998,7 @@
           <a:p>
             <a:fld id="{3CBC1C18-307B-4F68-A007-B5B542270E8D}" type="datetimeFigureOut">
               <a:rPr lang="en-US" dirty="0"/>
-              <a:t>1/30/2019</a:t>
+              <a:t>2/6/2019</a:t>
             </a:fld>
             <a:endParaRPr lang="en-US" dirty="0"/>
           </a:p>
@@ -5530,6 +5531,92 @@
 </p:sld>
 </file>
 
+<file path=ppt/slides/slide4.xml><?xml version="1.0" encoding="utf-8"?>
+<p:sld xmlns:a="http://schemas.openxmlformats.org/drawingml/2006/main" xmlns:r="http://schemas.openxmlformats.org/officeDocument/2006/relationships" xmlns:p="http://schemas.openxmlformats.org/presentationml/2006/main">
+  <p:cSld>
+    <p:spTree>
+      <p:nvGrpSpPr>
+        <p:cNvPr id="1" name=""/>
+        <p:cNvGrpSpPr/>
+        <p:nvPr/>
+      </p:nvGrpSpPr>
+      <p:grpSpPr>
+        <a:xfrm>
+          <a:off x="0" y="0"/>
+          <a:ext cx="0" cy="0"/>
+          <a:chOff x="0" y="0"/>
+          <a:chExt cx="0" cy="0"/>
+        </a:xfrm>
+      </p:grpSpPr>
+      <p:sp>
+        <p:nvSpPr>
+          <p:cNvPr id="2" name="標題 1">
+            <a:extLst>
+              <a:ext uri="{FF2B5EF4-FFF2-40B4-BE49-F238E27FC236}">
+                <a16:creationId xmlns:a16="http://schemas.microsoft.com/office/drawing/2014/main" id="{B38C2B6A-86F2-4FDF-A0C9-6E2BF5F4409B}"/>
+              </a:ext>
+            </a:extLst>
+          </p:cNvPr>
+          <p:cNvSpPr>
+            <a:spLocks noGrp="1"/>
+          </p:cNvSpPr>
+          <p:nvPr>
+            <p:ph type="title"/>
+          </p:nvPr>
+        </p:nvSpPr>
+        <p:spPr/>
+        <p:txBody>
+          <a:bodyPr/>
+          <a:lstStyle/>
+          <a:p>
+            <a:r>
+              <a:rPr lang="en-US" dirty="0"/>
+              <a:t>GitHub Repository</a:t>
+            </a:r>
+          </a:p>
+        </p:txBody>
+      </p:sp>
+      <p:sp>
+        <p:nvSpPr>
+          <p:cNvPr id="3" name="內容版面配置區 2">
+            <a:extLst>
+              <a:ext uri="{FF2B5EF4-FFF2-40B4-BE49-F238E27FC236}">
+                <a16:creationId xmlns:a16="http://schemas.microsoft.com/office/drawing/2014/main" id="{78972792-7B69-4281-9718-7848F331358E}"/>
+              </a:ext>
+            </a:extLst>
+          </p:cNvPr>
+          <p:cNvSpPr>
+            <a:spLocks noGrp="1"/>
+          </p:cNvSpPr>
+          <p:nvPr>
+            <p:ph idx="1"/>
+          </p:nvPr>
+        </p:nvSpPr>
+        <p:spPr/>
+        <p:txBody>
+          <a:bodyPr/>
+          <a:lstStyle/>
+          <a:p>
+            <a:r>
+              <a:rPr lang="en-US" dirty="0"/>
+              <a:t>https://github.com/cu302cemgp3/303CEM</a:t>
+            </a:r>
+          </a:p>
+        </p:txBody>
+      </p:sp>
+    </p:spTree>
+    <p:extLst>
+      <p:ext uri="{BB962C8B-B14F-4D97-AF65-F5344CB8AC3E}">
+        <p14:creationId xmlns:p14="http://schemas.microsoft.com/office/powerpoint/2010/main" val="1622195306"/>
+      </p:ext>
+    </p:extLst>
+  </p:cSld>
+  <p:clrMapOvr>
+    <a:masterClrMapping/>
+  </p:clrMapOvr>
+</p:sld>
+</file>
+
 <file path=ppt/theme/theme1.xml><?xml version="1.0" encoding="utf-8"?>
 <a:theme xmlns:a="http://schemas.openxmlformats.org/drawingml/2006/main" name="麥迪遜">
   <a:themeElements>
